--- a/Reading_Material/Algo_Tricks.pptx
+++ b/Reading_Material/Algo_Tricks.pptx
@@ -8,15 +8,17 @@
     <p:sldId id="256" r:id="rId2"/>
     <p:sldId id="257" r:id="rId3"/>
     <p:sldId id="261" r:id="rId4"/>
-    <p:sldId id="260" r:id="rId5"/>
-    <p:sldId id="267" r:id="rId6"/>
-    <p:sldId id="265" r:id="rId7"/>
-    <p:sldId id="258" r:id="rId8"/>
-    <p:sldId id="259" r:id="rId9"/>
-    <p:sldId id="264" r:id="rId10"/>
-    <p:sldId id="266" r:id="rId11"/>
-    <p:sldId id="262" r:id="rId12"/>
-    <p:sldId id="263" r:id="rId13"/>
+    <p:sldId id="269" r:id="rId5"/>
+    <p:sldId id="260" r:id="rId6"/>
+    <p:sldId id="267" r:id="rId7"/>
+    <p:sldId id="268" r:id="rId8"/>
+    <p:sldId id="265" r:id="rId9"/>
+    <p:sldId id="258" r:id="rId10"/>
+    <p:sldId id="259" r:id="rId11"/>
+    <p:sldId id="264" r:id="rId12"/>
+    <p:sldId id="266" r:id="rId13"/>
+    <p:sldId id="262" r:id="rId14"/>
+    <p:sldId id="263" r:id="rId15"/>
   </p:sldIdLst>
   <p:sldSz cx="9144000" cy="6858000" type="screen4x3"/>
   <p:notesSz cx="6858000" cy="9144000"/>
@@ -299,7 +301,8 @@
           <a:p>
             <a:fld id="{B24B839C-40EA-47C4-AD05-9E1760CF5AA8}" type="datetimeFigureOut">
               <a:rPr lang="en-US" smtClean="0"/>
-              <a:t>8/7/2016</a:t>
+              <a:pPr/>
+              <a:t>8/10/2016</a:t>
             </a:fld>
             <a:endParaRPr lang="en-US"/>
           </a:p>
@@ -341,6 +344,7 @@
           <a:p>
             <a:fld id="{8AE66997-DA5C-4B7C-AE27-34377790B7F0}" type="slidenum">
               <a:rPr lang="en-US" smtClean="0"/>
+              <a:pPr/>
               <a:t>‹#›</a:t>
             </a:fld>
             <a:endParaRPr lang="en-US"/>
@@ -498,7 +502,8 @@
           <a:p>
             <a:fld id="{B24B839C-40EA-47C4-AD05-9E1760CF5AA8}" type="datetimeFigureOut">
               <a:rPr lang="en-US" smtClean="0"/>
-              <a:t>8/7/2016</a:t>
+              <a:pPr/>
+              <a:t>8/10/2016</a:t>
             </a:fld>
             <a:endParaRPr lang="en-US"/>
           </a:p>
@@ -540,6 +545,7 @@
           <a:p>
             <a:fld id="{8AE66997-DA5C-4B7C-AE27-34377790B7F0}" type="slidenum">
               <a:rPr lang="en-US" smtClean="0"/>
+              <a:pPr/>
               <a:t>‹#›</a:t>
             </a:fld>
             <a:endParaRPr lang="en-US"/>
@@ -741,7 +747,8 @@
           <a:p>
             <a:fld id="{B24B839C-40EA-47C4-AD05-9E1760CF5AA8}" type="datetimeFigureOut">
               <a:rPr lang="en-US" smtClean="0"/>
-              <a:t>8/7/2016</a:t>
+              <a:pPr/>
+              <a:t>8/10/2016</a:t>
             </a:fld>
             <a:endParaRPr lang="en-US"/>
           </a:p>
@@ -819,6 +826,7 @@
           <a:p>
             <a:fld id="{8AE66997-DA5C-4B7C-AE27-34377790B7F0}" type="slidenum">
               <a:rPr lang="en-US" smtClean="0"/>
+              <a:pPr/>
               <a:t>‹#›</a:t>
             </a:fld>
             <a:endParaRPr lang="en-US"/>
@@ -1209,14 +1217,87 @@
           <a:p>
             <a:r>
               <a:rPr lang="en-US" dirty="0" smtClean="0"/>
-              <a:t>Geometry</a:t>
-            </a:r>
-          </a:p>
-          <a:p>
-            <a:pPr lvl="1"/>
-            <a:r>
-              <a:rPr lang="en-US" dirty="0" smtClean="0"/>
-              <a:t>Check for co-linear points/lines</a:t>
+              <a:t>Presentation</a:t>
+            </a:r>
+          </a:p>
+          <a:p>
+            <a:pPr lvl="1"/>
+            <a:r>
+              <a:rPr lang="en-US" dirty="0" smtClean="0"/>
+              <a:t>Check the output carefully, format, extra debug logs before submit</a:t>
+            </a:r>
+          </a:p>
+          <a:p>
+            <a:r>
+              <a:rPr lang="en-US" dirty="0" smtClean="0"/>
+              <a:t>Ensuring Output</a:t>
+            </a:r>
+          </a:p>
+          <a:p>
+            <a:pPr lvl="1"/>
+            <a:r>
+              <a:rPr lang="en-US" dirty="0" smtClean="0"/>
+              <a:t>Check range of output, long </a:t>
+            </a:r>
+            <a:r>
+              <a:rPr lang="en-US" dirty="0" err="1" smtClean="0"/>
+              <a:t>long</a:t>
+            </a:r>
+            <a:r>
+              <a:rPr lang="en-US" dirty="0" smtClean="0"/>
+              <a:t> requirement, write TC with largest range of I.P</a:t>
+            </a:r>
+          </a:p>
+          <a:p>
+            <a:pPr lvl="1"/>
+            <a:r>
+              <a:rPr lang="en-US" dirty="0" smtClean="0"/>
+              <a:t>Implement the </a:t>
+            </a:r>
+            <a:r>
+              <a:rPr lang="en-US" dirty="0" err="1" smtClean="0"/>
+              <a:t>algo</a:t>
+            </a:r>
+            <a:r>
+              <a:rPr lang="en-US" dirty="0" smtClean="0"/>
+              <a:t> first don’t waste time on data structure implementations, use STL instead. Stack &amp; Queue can be implemented later</a:t>
+            </a:r>
+          </a:p>
+          <a:p>
+            <a:pPr lvl="1"/>
+            <a:r>
+              <a:rPr lang="en-US" dirty="0" smtClean="0"/>
+              <a:t>If decimal number involved, check for need of double, don’t use == comparator directly (try </a:t>
+            </a:r>
+            <a:r>
+              <a:rPr lang="en-US" dirty="0" err="1" smtClean="0"/>
+              <a:t>ur</a:t>
+            </a:r>
+            <a:r>
+              <a:rPr lang="en-US" dirty="0" smtClean="0"/>
+              <a:t> own logic for comparison). </a:t>
+            </a:r>
+          </a:p>
+          <a:p>
+            <a:pPr lvl="1"/>
+            <a:r>
+              <a:rPr lang="en-US" dirty="0" smtClean="0"/>
+              <a:t>If questions asked for rounding of result, ensure correct rounding, also check double/float to </a:t>
+            </a:r>
+            <a:r>
+              <a:rPr lang="en-US" dirty="0" err="1" smtClean="0"/>
+              <a:t>int</a:t>
+            </a:r>
+            <a:r>
+              <a:rPr lang="en-US" dirty="0" smtClean="0"/>
+              <a:t> conversions, if there.</a:t>
+            </a:r>
+          </a:p>
+          <a:p>
+            <a:pPr lvl="1"/>
+            <a:r>
+              <a:rPr lang="en-US" dirty="0" smtClean="0"/>
+              <a:t>Take care of indexes (0/1 start points)</a:t>
             </a:r>
           </a:p>
         </p:txBody>
@@ -1269,74 +1350,112 @@
           <a:lstStyle/>
           <a:p>
             <a:r>
-              <a:rPr lang="en-US" dirty="0" smtClean="0"/>
-              <a:t>Debugging – Finding </a:t>
+              <a:rPr lang="en-US" smtClean="0"/>
+              <a:t>Debugging – Trouble Shooting logical errors</a:t>
+            </a:r>
+            <a:endParaRPr lang="en-US" dirty="0"/>
+          </a:p>
+        </p:txBody>
+      </p:sp>
+      <p:sp>
+        <p:nvSpPr>
+          <p:cNvPr id="3" name="Content Placeholder 2"/>
+          <p:cNvSpPr>
+            <a:spLocks noGrp="1"/>
+          </p:cNvSpPr>
+          <p:nvPr>
+            <p:ph idx="1"/>
+          </p:nvPr>
+        </p:nvSpPr>
+        <p:spPr/>
+        <p:txBody>
+          <a:bodyPr/>
+          <a:lstStyle/>
+          <a:p>
+            <a:r>
+              <a:rPr lang="en-US" dirty="0" smtClean="0"/>
+              <a:t>Input reading</a:t>
+            </a:r>
+          </a:p>
+          <a:p>
+            <a:pPr lvl="1"/>
+            <a:r>
+              <a:rPr lang="en-US" dirty="0" smtClean="0"/>
+              <a:t>Check if Negative numbers (values) are allowed</a:t>
+            </a:r>
+          </a:p>
+          <a:p>
+            <a:pPr lvl="1"/>
+            <a:r>
+              <a:rPr lang="en-US" dirty="0" smtClean="0"/>
+              <a:t>Check if in a dimension based input (indexes), negative coordinates possible (Deal with them carefully)</a:t>
+            </a:r>
+          </a:p>
+          <a:p>
+            <a:pPr lvl="1"/>
+            <a:r>
+              <a:rPr lang="en-US" dirty="0" smtClean="0"/>
+              <a:t>Duplicate inputs can present in input, handle them, e.g. shortest edge out of 2</a:t>
+            </a:r>
+          </a:p>
+          <a:p>
+            <a:pPr lvl="1"/>
+            <a:r>
+              <a:rPr lang="en-US" dirty="0" smtClean="0"/>
+              <a:t>Generally, all the inputs are used in solution, please check how.</a:t>
+            </a:r>
+          </a:p>
+          <a:p>
+            <a:pPr lvl="1"/>
+            <a:r>
+              <a:rPr lang="en-US" dirty="0" smtClean="0"/>
+              <a:t>Read the question carefully for words: shortest, greatest, longest. If there are 2 parameters that needs to be taken care, please design </a:t>
             </a:r>
             <a:r>
               <a:rPr lang="en-US" dirty="0" err="1" smtClean="0"/>
-              <a:t>Gotachs</a:t>
-            </a:r>
-            <a:endParaRPr lang="en-US" dirty="0"/>
-          </a:p>
-        </p:txBody>
-      </p:sp>
-      <p:sp>
-        <p:nvSpPr>
-          <p:cNvPr id="3" name="Content Placeholder 2"/>
-          <p:cNvSpPr>
-            <a:spLocks noGrp="1"/>
-          </p:cNvSpPr>
-          <p:nvPr>
-            <p:ph idx="1"/>
-          </p:nvPr>
-        </p:nvSpPr>
-        <p:spPr/>
-        <p:txBody>
-          <a:bodyPr/>
-          <a:lstStyle/>
-          <a:p>
-            <a:r>
-              <a:rPr lang="en-US" dirty="0" smtClean="0"/>
-              <a:t>Graphs</a:t>
-            </a:r>
-          </a:p>
-          <a:p>
-            <a:pPr lvl="1"/>
-            <a:r>
-              <a:rPr lang="en-US" dirty="0" smtClean="0"/>
-              <a:t>Check if edge given needs to be made bi-directional.</a:t>
-            </a:r>
-          </a:p>
-          <a:p>
-            <a:pPr lvl="1"/>
-            <a:r>
-              <a:rPr lang="en-US" dirty="0" smtClean="0"/>
-              <a:t>Check if same edge input is multiple times in input</a:t>
-            </a:r>
-          </a:p>
-          <a:p>
-            <a:pPr lvl="1"/>
-            <a:r>
-              <a:rPr lang="en-US" dirty="0" smtClean="0"/>
-              <a:t>Check queue size needed, if undefined with largest graph, try debugging with std::vector</a:t>
-            </a:r>
-          </a:p>
-          <a:p>
-            <a:r>
-              <a:rPr lang="en-US" dirty="0" smtClean="0"/>
-              <a:t>Exhaustive Search</a:t>
-            </a:r>
-          </a:p>
-          <a:p>
-            <a:pPr lvl="1"/>
-            <a:r>
-              <a:rPr lang="en-US" dirty="0" smtClean="0"/>
-              <a:t>Beware of infinite cycles, visited logic should be well implemented.</a:t>
-            </a:r>
-          </a:p>
-          <a:p>
-            <a:pPr lvl="1"/>
-            <a:endParaRPr lang="en-US" dirty="0"/>
+              <a:t>algo</a:t>
+            </a:r>
+            <a:r>
+              <a:rPr lang="en-US" dirty="0" smtClean="0"/>
+              <a:t> accordingly.</a:t>
+            </a:r>
+            <a:br>
+              <a:rPr lang="en-US" dirty="0" smtClean="0"/>
+            </a:br>
+            <a:r>
+              <a:rPr lang="en-US" dirty="0" smtClean="0"/>
+              <a:t>E.g. </a:t>
+            </a:r>
+            <a:r>
+              <a:rPr lang="en-US" dirty="0" err="1" smtClean="0"/>
+              <a:t>UVa</a:t>
+            </a:r>
+            <a:r>
+              <a:rPr lang="en-US" dirty="0" smtClean="0"/>
+              <a:t> 104 You have to find the shortest sequence that yields a profit and not the one with the greatest profit!</a:t>
+            </a:r>
+          </a:p>
+          <a:p>
+            <a:pPr lvl="1"/>
+            <a:r>
+              <a:rPr lang="en-US" dirty="0" smtClean="0"/>
+              <a:t>Don’t rely on sequence of input given in UTs, solution logic if needed in sequence (ensure by sorting)</a:t>
+            </a:r>
+          </a:p>
+          <a:p>
+            <a:pPr lvl="1"/>
+            <a:r>
+              <a:rPr lang="en-US" dirty="0" smtClean="0"/>
+              <a:t>In graph based inputs, check for forests, empty/</a:t>
+            </a:r>
+            <a:r>
+              <a:rPr lang="en-US" dirty="0" err="1" smtClean="0"/>
+              <a:t>singlenode</a:t>
+            </a:r>
+            <a:r>
+              <a:rPr lang="en-US" dirty="0" smtClean="0"/>
+              <a:t> trees, single nodes in forest</a:t>
+            </a:r>
           </a:p>
         </p:txBody>
       </p:sp>
@@ -1388,6 +1507,209 @@
           <a:lstStyle/>
           <a:p>
             <a:r>
+              <a:rPr lang="en-US" smtClean="0"/>
+              <a:t>Debugging – Trouble Shooting logical errors</a:t>
+            </a:r>
+            <a:endParaRPr lang="en-US" dirty="0"/>
+          </a:p>
+        </p:txBody>
+      </p:sp>
+      <p:sp>
+        <p:nvSpPr>
+          <p:cNvPr id="3" name="Content Placeholder 2"/>
+          <p:cNvSpPr>
+            <a:spLocks noGrp="1"/>
+          </p:cNvSpPr>
+          <p:nvPr>
+            <p:ph idx="1"/>
+          </p:nvPr>
+        </p:nvSpPr>
+        <p:spPr/>
+        <p:txBody>
+          <a:bodyPr/>
+          <a:lstStyle/>
+          <a:p>
+            <a:r>
+              <a:rPr lang="en-US" dirty="0" smtClean="0"/>
+              <a:t>Geometry</a:t>
+            </a:r>
+          </a:p>
+          <a:p>
+            <a:pPr lvl="1"/>
+            <a:r>
+              <a:rPr lang="en-US" dirty="0" smtClean="0"/>
+              <a:t>Check for co-linear points/lines</a:t>
+            </a:r>
+          </a:p>
+        </p:txBody>
+      </p:sp>
+    </p:spTree>
+  </p:cSld>
+  <p:clrMapOvr>
+    <a:masterClrMapping/>
+  </p:clrMapOvr>
+  <p:timing>
+    <p:tnLst>
+      <p:par>
+        <p:cTn id="1" dur="indefinite" restart="never" nodeType="tmRoot"/>
+      </p:par>
+    </p:tnLst>
+  </p:timing>
+</p:sld>
+</file>
+
+<file path=ppt/slides/slide13.xml><?xml version="1.0" encoding="utf-8"?>
+<p:sld xmlns:a="http://schemas.openxmlformats.org/drawingml/2006/main" xmlns:r="http://schemas.openxmlformats.org/officeDocument/2006/relationships" xmlns:p="http://schemas.openxmlformats.org/presentationml/2006/main">
+  <p:cSld>
+    <p:spTree>
+      <p:nvGrpSpPr>
+        <p:cNvPr id="1" name=""/>
+        <p:cNvGrpSpPr/>
+        <p:nvPr/>
+      </p:nvGrpSpPr>
+      <p:grpSpPr>
+        <a:xfrm>
+          <a:off x="0" y="0"/>
+          <a:ext cx="0" cy="0"/>
+          <a:chOff x="0" y="0"/>
+          <a:chExt cx="0" cy="0"/>
+        </a:xfrm>
+      </p:grpSpPr>
+      <p:sp>
+        <p:nvSpPr>
+          <p:cNvPr id="2" name="Title 1"/>
+          <p:cNvSpPr>
+            <a:spLocks noGrp="1"/>
+          </p:cNvSpPr>
+          <p:nvPr>
+            <p:ph type="title"/>
+          </p:nvPr>
+        </p:nvSpPr>
+        <p:spPr/>
+        <p:txBody>
+          <a:bodyPr/>
+          <a:lstStyle/>
+          <a:p>
+            <a:r>
+              <a:rPr lang="en-US" dirty="0" smtClean="0"/>
+              <a:t>Debugging – Finding </a:t>
+            </a:r>
+            <a:r>
+              <a:rPr lang="en-US" dirty="0" err="1" smtClean="0"/>
+              <a:t>Gotachs</a:t>
+            </a:r>
+            <a:endParaRPr lang="en-US" dirty="0"/>
+          </a:p>
+        </p:txBody>
+      </p:sp>
+      <p:sp>
+        <p:nvSpPr>
+          <p:cNvPr id="3" name="Content Placeholder 2"/>
+          <p:cNvSpPr>
+            <a:spLocks noGrp="1"/>
+          </p:cNvSpPr>
+          <p:nvPr>
+            <p:ph idx="1"/>
+          </p:nvPr>
+        </p:nvSpPr>
+        <p:spPr/>
+        <p:txBody>
+          <a:bodyPr/>
+          <a:lstStyle/>
+          <a:p>
+            <a:r>
+              <a:rPr lang="en-US" dirty="0" smtClean="0"/>
+              <a:t>Graphs</a:t>
+            </a:r>
+          </a:p>
+          <a:p>
+            <a:pPr lvl="1"/>
+            <a:r>
+              <a:rPr lang="en-US" dirty="0" smtClean="0"/>
+              <a:t>Check if edge given needs to be made bi-directional.</a:t>
+            </a:r>
+          </a:p>
+          <a:p>
+            <a:pPr lvl="1"/>
+            <a:r>
+              <a:rPr lang="en-US" dirty="0" smtClean="0"/>
+              <a:t>Check if same edge input is multiple times in input</a:t>
+            </a:r>
+          </a:p>
+          <a:p>
+            <a:pPr lvl="1"/>
+            <a:r>
+              <a:rPr lang="en-US" dirty="0" smtClean="0"/>
+              <a:t>Check queue size needed, if undefined with largest graph, try debugging with std::vector</a:t>
+            </a:r>
+          </a:p>
+          <a:p>
+            <a:r>
+              <a:rPr lang="en-US" dirty="0" smtClean="0"/>
+              <a:t>Exhaustive Search</a:t>
+            </a:r>
+          </a:p>
+          <a:p>
+            <a:pPr lvl="1"/>
+            <a:r>
+              <a:rPr lang="en-US" dirty="0" smtClean="0"/>
+              <a:t>Beware of infinite cycles, visited logic should be well implemented.</a:t>
+            </a:r>
+          </a:p>
+          <a:p>
+            <a:pPr lvl="1"/>
+            <a:endParaRPr lang="en-US" dirty="0"/>
+          </a:p>
+        </p:txBody>
+      </p:sp>
+    </p:spTree>
+  </p:cSld>
+  <p:clrMapOvr>
+    <a:masterClrMapping/>
+  </p:clrMapOvr>
+  <p:timing>
+    <p:tnLst>
+      <p:par>
+        <p:cTn id="1" dur="indefinite" restart="never" nodeType="tmRoot"/>
+      </p:par>
+    </p:tnLst>
+  </p:timing>
+</p:sld>
+</file>
+
+<file path=ppt/slides/slide14.xml><?xml version="1.0" encoding="utf-8"?>
+<p:sld xmlns:a="http://schemas.openxmlformats.org/drawingml/2006/main" xmlns:r="http://schemas.openxmlformats.org/officeDocument/2006/relationships" xmlns:p="http://schemas.openxmlformats.org/presentationml/2006/main">
+  <p:cSld>
+    <p:spTree>
+      <p:nvGrpSpPr>
+        <p:cNvPr id="1" name=""/>
+        <p:cNvGrpSpPr/>
+        <p:nvPr/>
+      </p:nvGrpSpPr>
+      <p:grpSpPr>
+        <a:xfrm>
+          <a:off x="0" y="0"/>
+          <a:ext cx="0" cy="0"/>
+          <a:chOff x="0" y="0"/>
+          <a:chExt cx="0" cy="0"/>
+        </a:xfrm>
+      </p:grpSpPr>
+      <p:sp>
+        <p:nvSpPr>
+          <p:cNvPr id="2" name="Title 1"/>
+          <p:cNvSpPr>
+            <a:spLocks noGrp="1"/>
+          </p:cNvSpPr>
+          <p:nvPr>
+            <p:ph type="title"/>
+          </p:nvPr>
+        </p:nvSpPr>
+        <p:spPr/>
+        <p:txBody>
+          <a:bodyPr/>
+          <a:lstStyle/>
+          <a:p>
+            <a:r>
               <a:rPr lang="en-US" dirty="0" smtClean="0"/>
               <a:t>TC Generation</a:t>
             </a:r>
@@ -1726,57 +2048,63 @@
               <a:rPr lang="en-US" dirty="0" smtClean="0"/>
               <a:t>. </a:t>
             </a:r>
-          </a:p>
-          <a:p>
-            <a:pPr lvl="1"/>
-            <a:r>
-              <a:rPr lang="en-US" dirty="0" smtClean="0"/>
-              <a:t>If solution involves backtracking &amp; memorization not possible, try pruning some paths</a:t>
-            </a:r>
-          </a:p>
-          <a:p>
-            <a:pPr lvl="1"/>
-            <a:r>
-              <a:rPr lang="en-US" dirty="0" smtClean="0"/>
-              <a:t>If there are more than 1 solution of a problem, generally it will not be give  in exam, read question carefully again. May be some specific constraint making answer unique, e.g. asked about only lexicographic correct output (unique)</a:t>
-            </a:r>
-          </a:p>
-          <a:p>
-            <a:pPr lvl="1"/>
-            <a:r>
-              <a:rPr lang="en-US" dirty="0" smtClean="0"/>
-              <a:t>Write </a:t>
+            <a:endParaRPr lang="en-US" dirty="0" smtClean="0"/>
+          </a:p>
+          <a:p>
+            <a:pPr lvl="1"/>
+            <a:r>
+              <a:rPr lang="en-US" dirty="0" smtClean="0"/>
+              <a:t>Examples of </a:t>
+            </a:r>
+            <a:r>
+              <a:rPr lang="en-US" dirty="0" err="1" smtClean="0"/>
+              <a:t>timelimit</a:t>
+            </a:r>
+            <a:r>
+              <a:rPr lang="en-US" dirty="0" smtClean="0"/>
+              <a:t> to consider before choosing </a:t>
             </a:r>
             <a:r>
               <a:rPr lang="en-US" dirty="0" err="1" smtClean="0"/>
               <a:t>algo</a:t>
             </a:r>
-            <a:r>
-              <a:rPr lang="en-US" dirty="0" smtClean="0"/>
-              <a:t> generically, e.g. if array wrapping is allowed, modulo can help, rather than if-else based checking</a:t>
-            </a:r>
-          </a:p>
-          <a:p>
-            <a:pPr lvl="1"/>
-            <a:r>
-              <a:rPr lang="en-US" dirty="0" smtClean="0"/>
-              <a:t>If all permutations needed in solution, check input size, if &lt;64. long </a:t>
-            </a:r>
-            <a:r>
-              <a:rPr lang="en-US" dirty="0" err="1" smtClean="0"/>
-              <a:t>long</a:t>
-            </a:r>
-            <a:r>
-              <a:rPr lang="en-US" dirty="0" smtClean="0"/>
-              <a:t> with all the bit patterns can be used to permute. Try DP-Bitmask to optimize.</a:t>
-            </a:r>
-          </a:p>
-          <a:p>
-            <a:pPr lvl="1"/>
             <a:endParaRPr lang="en-US" dirty="0" smtClean="0"/>
           </a:p>
         </p:txBody>
       </p:sp>
+      <p:pic>
+        <p:nvPicPr>
+          <p:cNvPr id="1026" name="Picture 2"/>
+          <p:cNvPicPr>
+            <a:picLocks noChangeAspect="1" noChangeArrowheads="1"/>
+          </p:cNvPicPr>
+          <p:nvPr/>
+        </p:nvPicPr>
+        <p:blipFill>
+          <a:blip r:embed="rId2"/>
+          <a:srcRect/>
+          <a:stretch>
+            <a:fillRect/>
+          </a:stretch>
+        </p:blipFill>
+        <p:spPr bwMode="auto">
+          <a:xfrm>
+            <a:off x="328221" y="3571876"/>
+            <a:ext cx="8487558" cy="2786082"/>
+          </a:xfrm>
+          <a:prstGeom prst="rect">
+            <a:avLst/>
+          </a:prstGeom>
+          <a:noFill/>
+          <a:ln w="9525">
+            <a:noFill/>
+            <a:miter lim="800000"/>
+            <a:headEnd/>
+            <a:tailEnd/>
+          </a:ln>
+          <a:effectLst/>
+        </p:spPr>
+      </p:pic>
     </p:spTree>
   </p:cSld>
   <p:clrMapOvr>
@@ -1793,6 +2121,135 @@
 </file>
 
 <file path=ppt/slides/slide4.xml><?xml version="1.0" encoding="utf-8"?>
+<p:sld xmlns:a="http://schemas.openxmlformats.org/drawingml/2006/main" xmlns:r="http://schemas.openxmlformats.org/officeDocument/2006/relationships" xmlns:p="http://schemas.openxmlformats.org/presentationml/2006/main">
+  <p:cSld>
+    <p:spTree>
+      <p:nvGrpSpPr>
+        <p:cNvPr id="1" name=""/>
+        <p:cNvGrpSpPr/>
+        <p:nvPr/>
+      </p:nvGrpSpPr>
+      <p:grpSpPr>
+        <a:xfrm>
+          <a:off x="0" y="0"/>
+          <a:ext cx="0" cy="0"/>
+          <a:chOff x="0" y="0"/>
+          <a:chExt cx="0" cy="0"/>
+        </a:xfrm>
+      </p:grpSpPr>
+      <p:sp>
+        <p:nvSpPr>
+          <p:cNvPr id="2" name="Title 1"/>
+          <p:cNvSpPr>
+            <a:spLocks noGrp="1"/>
+          </p:cNvSpPr>
+          <p:nvPr>
+            <p:ph type="title"/>
+          </p:nvPr>
+        </p:nvSpPr>
+        <p:spPr/>
+        <p:txBody>
+          <a:bodyPr/>
+          <a:lstStyle/>
+          <a:p>
+            <a:r>
+              <a:rPr lang="en-US" smtClean="0"/>
+              <a:t>Optimizations – Improve the algo</a:t>
+            </a:r>
+            <a:endParaRPr lang="en-US" dirty="0"/>
+          </a:p>
+        </p:txBody>
+      </p:sp>
+      <p:sp>
+        <p:nvSpPr>
+          <p:cNvPr id="3" name="Content Placeholder 2"/>
+          <p:cNvSpPr>
+            <a:spLocks noGrp="1"/>
+          </p:cNvSpPr>
+          <p:nvPr>
+            <p:ph idx="1"/>
+          </p:nvPr>
+        </p:nvSpPr>
+        <p:spPr/>
+        <p:txBody>
+          <a:bodyPr/>
+          <a:lstStyle/>
+          <a:p>
+            <a:r>
+              <a:rPr lang="en-US" dirty="0" smtClean="0"/>
+              <a:t>General</a:t>
+            </a:r>
+          </a:p>
+          <a:p>
+            <a:pPr lvl="1"/>
+            <a:r>
+              <a:rPr lang="en-US" dirty="0" smtClean="0"/>
+              <a:t>If </a:t>
+            </a:r>
+            <a:r>
+              <a:rPr lang="en-US" dirty="0" smtClean="0"/>
+              <a:t>solution involves backtracking &amp; memorization not possible, try pruning some paths</a:t>
+            </a:r>
+          </a:p>
+          <a:p>
+            <a:pPr lvl="1"/>
+            <a:r>
+              <a:rPr lang="en-US" dirty="0" smtClean="0"/>
+              <a:t>If there are more than 1 solution of a problem, generally it will not be give  in exam, read question carefully again. May be some specific constraint making answer unique, e.g. asked about only lexicographic correct output (unique)</a:t>
+            </a:r>
+          </a:p>
+          <a:p>
+            <a:pPr lvl="1"/>
+            <a:r>
+              <a:rPr lang="en-US" dirty="0" smtClean="0"/>
+              <a:t>Write </a:t>
+            </a:r>
+            <a:r>
+              <a:rPr lang="en-US" dirty="0" err="1" smtClean="0"/>
+              <a:t>algo</a:t>
+            </a:r>
+            <a:r>
+              <a:rPr lang="en-US" dirty="0" smtClean="0"/>
+              <a:t> generically, e.g. if array wrapping is allowed, modulo can help, rather than if-else based checking</a:t>
+            </a:r>
+          </a:p>
+          <a:p>
+            <a:pPr lvl="1"/>
+            <a:r>
+              <a:rPr lang="en-US" dirty="0" smtClean="0"/>
+              <a:t>If all permutations needed in solution, check input size, if &lt;64. long </a:t>
+            </a:r>
+            <a:r>
+              <a:rPr lang="en-US" dirty="0" err="1" smtClean="0"/>
+              <a:t>long</a:t>
+            </a:r>
+            <a:r>
+              <a:rPr lang="en-US" dirty="0" smtClean="0"/>
+              <a:t> with all the bit patterns can be used to permute. Try DP-Bitmask to optimize.</a:t>
+            </a:r>
+          </a:p>
+          <a:p>
+            <a:pPr lvl="1"/>
+            <a:endParaRPr lang="en-US" dirty="0" smtClean="0"/>
+          </a:p>
+        </p:txBody>
+      </p:sp>
+    </p:spTree>
+  </p:cSld>
+  <p:clrMapOvr>
+    <a:masterClrMapping/>
+  </p:clrMapOvr>
+  <p:timing>
+    <p:tnLst>
+      <p:par>
+        <p:cTn id="1" dur="indefinite" restart="never" nodeType="tmRoot"/>
+      </p:par>
+    </p:tnLst>
+  </p:timing>
+</p:sld>
+</file>
+
+<file path=ppt/slides/slide5.xml><?xml version="1.0" encoding="utf-8"?>
 <p:sld xmlns:a="http://schemas.openxmlformats.org/drawingml/2006/main" xmlns:r="http://schemas.openxmlformats.org/officeDocument/2006/relationships" xmlns:p="http://schemas.openxmlformats.org/presentationml/2006/main">
   <p:cSld>
     <p:spTree>
@@ -1959,110 +2416,6 @@
 </p:sld>
 </file>
 
-<file path=ppt/slides/slide5.xml><?xml version="1.0" encoding="utf-8"?>
-<p:sld xmlns:a="http://schemas.openxmlformats.org/drawingml/2006/main" xmlns:r="http://schemas.openxmlformats.org/officeDocument/2006/relationships" xmlns:p="http://schemas.openxmlformats.org/presentationml/2006/main">
-  <p:cSld>
-    <p:spTree>
-      <p:nvGrpSpPr>
-        <p:cNvPr id="1" name=""/>
-        <p:cNvGrpSpPr/>
-        <p:nvPr/>
-      </p:nvGrpSpPr>
-      <p:grpSpPr>
-        <a:xfrm>
-          <a:off x="0" y="0"/>
-          <a:ext cx="0" cy="0"/>
-          <a:chOff x="0" y="0"/>
-          <a:chExt cx="0" cy="0"/>
-        </a:xfrm>
-      </p:grpSpPr>
-      <p:sp>
-        <p:nvSpPr>
-          <p:cNvPr id="2" name="Title 1"/>
-          <p:cNvSpPr>
-            <a:spLocks noGrp="1"/>
-          </p:cNvSpPr>
-          <p:nvPr>
-            <p:ph type="title"/>
-          </p:nvPr>
-        </p:nvSpPr>
-        <p:spPr/>
-        <p:txBody>
-          <a:bodyPr/>
-          <a:lstStyle/>
-          <a:p>
-            <a:r>
-              <a:rPr lang="en-US" dirty="0" smtClean="0"/>
-              <a:t>Optimizations – Tricky approaches</a:t>
-            </a:r>
-            <a:endParaRPr lang="en-US" dirty="0"/>
-          </a:p>
-        </p:txBody>
-      </p:sp>
-      <p:sp>
-        <p:nvSpPr>
-          <p:cNvPr id="3" name="Content Placeholder 2"/>
-          <p:cNvSpPr>
-            <a:spLocks noGrp="1"/>
-          </p:cNvSpPr>
-          <p:nvPr>
-            <p:ph idx="1"/>
-          </p:nvPr>
-        </p:nvSpPr>
-        <p:spPr/>
-        <p:txBody>
-          <a:bodyPr/>
-          <a:lstStyle/>
-          <a:p>
-            <a:r>
-              <a:rPr lang="en-US" dirty="0" smtClean="0"/>
-              <a:t>Graph</a:t>
-            </a:r>
-          </a:p>
-          <a:p>
-            <a:pPr lvl="1"/>
-            <a:r>
-              <a:rPr lang="en-US" dirty="0" smtClean="0"/>
-              <a:t>If path with the highest weight (highest paid toll), needs to be find. Run </a:t>
-            </a:r>
-            <a:r>
-              <a:rPr lang="en-US" dirty="0" err="1" smtClean="0"/>
-              <a:t>dijkastra</a:t>
-            </a:r>
-            <a:r>
-              <a:rPr lang="en-US" dirty="0" smtClean="0"/>
-              <a:t> from source &amp; destination for all </a:t>
-            </a:r>
-            <a:r>
-              <a:rPr lang="en-US" dirty="0" err="1" smtClean="0"/>
-              <a:t>edjes</a:t>
-            </a:r>
-            <a:r>
-              <a:rPr lang="en-US" dirty="0" smtClean="0"/>
-              <a:t> nodes.</a:t>
-            </a:r>
-          </a:p>
-          <a:p>
-            <a:pPr lvl="1"/>
-            <a:endParaRPr lang="en-US" dirty="0"/>
-          </a:p>
-        </p:txBody>
-      </p:sp>
-    </p:spTree>
-  </p:cSld>
-  <p:clrMapOvr>
-    <a:masterClrMapping/>
-  </p:clrMapOvr>
-  <p:timing>
-    <p:tnLst>
-      <p:par>
-        <p:cTn id="1" dur="indefinite" restart="never" nodeType="tmRoot"/>
-      </p:par>
-    </p:tnLst>
-  </p:timing>
-</p:sld>
-</file>
-
 <file path=ppt/slides/slide6.xml><?xml version="1.0" encoding="utf-8"?>
 <p:sld xmlns:a="http://schemas.openxmlformats.org/drawingml/2006/main" xmlns:r="http://schemas.openxmlformats.org/officeDocument/2006/relationships" xmlns:p="http://schemas.openxmlformats.org/presentationml/2006/main">
   <p:cSld>
@@ -2096,8 +2449,8 @@
           <a:lstStyle/>
           <a:p>
             <a:r>
-              <a:rPr lang="en-US" smtClean="0"/>
-              <a:t>Optimizations – Improve the algo</a:t>
+              <a:rPr lang="en-US" dirty="0" smtClean="0"/>
+              <a:t>Optimizations – Tricky approaches</a:t>
             </a:r>
             <a:endParaRPr lang="en-US" dirty="0"/>
           </a:p>
@@ -2120,130 +2473,234 @@
           <a:p>
             <a:r>
               <a:rPr lang="en-US" dirty="0" smtClean="0"/>
-              <a:t>General</a:t>
-            </a:r>
-          </a:p>
-          <a:p>
-            <a:pPr lvl="1"/>
-            <a:r>
-              <a:rPr lang="en-US" dirty="0" smtClean="0"/>
-              <a:t>Don’t use </a:t>
+              <a:t>Graph</a:t>
+            </a:r>
+          </a:p>
+          <a:p>
+            <a:pPr lvl="1"/>
+            <a:r>
+              <a:rPr lang="en-US" dirty="0" smtClean="0"/>
+              <a:t>If path with the highest weight (highest paid toll), needs to be find. Run </a:t>
             </a:r>
             <a:r>
               <a:rPr lang="en-US" dirty="0" err="1" smtClean="0"/>
-              <a:t>malloc</a:t>
-            </a:r>
-            <a:r>
-              <a:rPr lang="en-US" dirty="0" smtClean="0"/>
-              <a:t>/new, they are never required.</a:t>
-            </a:r>
-          </a:p>
-          <a:p>
-            <a:pPr lvl="1"/>
-            <a:r>
-              <a:rPr lang="en-US" dirty="0"/>
-              <a:t>If you use C++, use </a:t>
-            </a:r>
-            <a:r>
-              <a:rPr lang="en-US" dirty="0" err="1"/>
-              <a:t>printf</a:t>
-            </a:r>
-            <a:r>
-              <a:rPr lang="en-US" dirty="0"/>
-              <a:t> and </a:t>
-            </a:r>
-            <a:r>
-              <a:rPr lang="en-US" dirty="0" err="1"/>
-              <a:t>scanf</a:t>
-            </a:r>
-            <a:r>
-              <a:rPr lang="en-US" dirty="0"/>
-              <a:t>. With </a:t>
-            </a:r>
-            <a:r>
-              <a:rPr lang="en-US" dirty="0" err="1"/>
-              <a:t>cin</a:t>
-            </a:r>
-            <a:r>
-              <a:rPr lang="en-US" dirty="0"/>
-              <a:t> and </a:t>
-            </a:r>
-            <a:r>
-              <a:rPr lang="en-US" dirty="0" err="1"/>
-              <a:t>cout</a:t>
-            </a:r>
-            <a:r>
-              <a:rPr lang="en-US" dirty="0"/>
-              <a:t> you will get </a:t>
-            </a:r>
-            <a:r>
-              <a:rPr lang="en-US" dirty="0" smtClean="0"/>
-              <a:t>TLE, sometimes.</a:t>
-            </a:r>
-          </a:p>
-          <a:p>
-            <a:r>
-              <a:rPr lang="en-US" dirty="0" smtClean="0"/>
-              <a:t>Prime Numbers</a:t>
-            </a:r>
-          </a:p>
-          <a:p>
-            <a:pPr lvl="1"/>
-            <a:r>
-              <a:rPr lang="en-US" dirty="0" smtClean="0"/>
-              <a:t>Use sieve.</a:t>
-            </a:r>
-          </a:p>
-          <a:p>
-            <a:r>
-              <a:rPr lang="en-US" dirty="0" smtClean="0"/>
-              <a:t>Graphs</a:t>
-            </a:r>
-          </a:p>
-          <a:p>
-            <a:pPr lvl="1"/>
-            <a:r>
-              <a:rPr lang="en-US" dirty="0" smtClean="0"/>
-              <a:t>Longest path : Negate the weights &amp; run SSSP/</a:t>
+              <a:t>dijkastra</a:t>
+            </a:r>
+            <a:r>
+              <a:rPr lang="en-US" dirty="0" smtClean="0"/>
+              <a:t> from source &amp; destination for all </a:t>
             </a:r>
             <a:r>
               <a:rPr lang="en-US" dirty="0" err="1" smtClean="0"/>
-              <a:t>Dijkastra</a:t>
-            </a:r>
-            <a:r>
-              <a:rPr lang="en-US" dirty="0" smtClean="0"/>
-              <a:t>/SFPA</a:t>
-            </a:r>
-          </a:p>
-          <a:p>
-            <a:pPr lvl="1"/>
-            <a:r>
-              <a:rPr lang="en-US" dirty="0" smtClean="0"/>
-              <a:t>Improving performance of SSSP </a:t>
-            </a:r>
-            <a:r>
-              <a:rPr lang="en-US" dirty="0" smtClean="0">
-                <a:sym typeface="Wingdings" pitchFamily="2" charset="2"/>
-              </a:rPr>
-              <a:t> Use SFPA (else write heap based </a:t>
-            </a:r>
-            <a:r>
-              <a:rPr lang="en-US" dirty="0" err="1" smtClean="0">
-                <a:sym typeface="Wingdings" pitchFamily="2" charset="2"/>
-              </a:rPr>
-              <a:t>Dijkstra</a:t>
-            </a:r>
-            <a:r>
-              <a:rPr lang="en-US" dirty="0" smtClean="0">
-                <a:sym typeface="Wingdings" pitchFamily="2" charset="2"/>
-              </a:rPr>
-              <a:t>)</a:t>
-            </a:r>
+              <a:t>edjes</a:t>
+            </a:r>
+            <a:r>
+              <a:rPr lang="en-US" dirty="0" smtClean="0"/>
+              <a:t> nodes.</a:t>
+            </a:r>
+          </a:p>
+          <a:p>
+            <a:r>
+              <a:rPr lang="en-US" dirty="0" smtClean="0"/>
+              <a:t>Mathematics</a:t>
+            </a:r>
+          </a:p>
+          <a:p>
+            <a:pPr lvl="1"/>
+            <a:r>
+              <a:rPr lang="en-US" dirty="0" smtClean="0"/>
+              <a:t>To keep the range of DP [we may not need to save all in DP table], DS for calculation, check if we can reduce the space by modulo of the number by a fixed constant</a:t>
+            </a:r>
+          </a:p>
+          <a:p>
+            <a:pPr lvl="1"/>
+            <a:r>
+              <a:rPr lang="en-US" dirty="0" smtClean="0"/>
+              <a:t>Modulo:</a:t>
+            </a:r>
+          </a:p>
+          <a:p>
+            <a:pPr lvl="2"/>
+            <a:r>
+              <a:rPr lang="en-US" dirty="0" smtClean="0"/>
+              <a:t>(a + b - c) % s = ((a % s) + (b % s) - (c % s) + s) % s</a:t>
+            </a:r>
+          </a:p>
+          <a:p>
+            <a:pPr lvl="2"/>
+            <a:r>
+              <a:rPr lang="en-US" dirty="0" smtClean="0"/>
+              <a:t>(a * b) % s = (a % s) * (b % s)</a:t>
+            </a:r>
+          </a:p>
+          <a:p>
+            <a:pPr lvl="2"/>
+            <a:r>
+              <a:rPr lang="en-US" dirty="0" smtClean="0"/>
+              <a:t>(a * b) % s = ((a % s) * (b % s)) % s</a:t>
+            </a:r>
+          </a:p>
+          <a:p>
+            <a:pPr lvl="2"/>
+            <a:r>
+              <a:rPr lang="en-US" dirty="0" smtClean="0"/>
+              <a:t>(a / b) % s = ((a % s) / (b % s)) % s</a:t>
+            </a:r>
+          </a:p>
+          <a:p>
+            <a:pPr lvl="2"/>
+            <a:r>
+              <a:rPr lang="en-US" dirty="0" smtClean="0"/>
+              <a:t>(</a:t>
+            </a:r>
+            <a:r>
+              <a:rPr lang="en-US" dirty="0" err="1" smtClean="0"/>
+              <a:t>a</a:t>
+            </a:r>
+            <a:r>
+              <a:rPr lang="en-US" i="1" baseline="50000" dirty="0" err="1" smtClean="0"/>
+              <a:t>b</a:t>
+            </a:r>
+            <a:r>
+              <a:rPr lang="en-US" dirty="0" smtClean="0"/>
+              <a:t>) % s = ((</a:t>
+            </a:r>
+            <a:r>
+              <a:rPr lang="en-US" dirty="0" err="1" smtClean="0"/>
+              <a:t>a</a:t>
+            </a:r>
+            <a:r>
+              <a:rPr lang="en-US" i="1" baseline="50000" dirty="0" err="1" smtClean="0"/>
+              <a:t>b</a:t>
+            </a:r>
+            <a:r>
+              <a:rPr lang="en-US" i="1" baseline="50000" dirty="0" smtClean="0"/>
+              <a:t>/</a:t>
+            </a:r>
+            <a:r>
+              <a:rPr lang="en-US" baseline="50000" dirty="0" smtClean="0"/>
+              <a:t>2</a:t>
+            </a:r>
+            <a:r>
+              <a:rPr lang="en-US" dirty="0" smtClean="0"/>
+              <a:t> % s) * (</a:t>
+            </a:r>
+            <a:r>
+              <a:rPr lang="en-US" dirty="0" err="1" smtClean="0"/>
+              <a:t>a</a:t>
+            </a:r>
+            <a:r>
+              <a:rPr lang="en-US" i="1" baseline="50000" dirty="0" err="1" smtClean="0"/>
+              <a:t>b</a:t>
+            </a:r>
+            <a:r>
+              <a:rPr lang="en-US" i="1" baseline="50000" dirty="0" smtClean="0"/>
+              <a:t>/</a:t>
+            </a:r>
+            <a:r>
+              <a:rPr lang="en-US" baseline="50000" dirty="0" smtClean="0"/>
+              <a:t>2</a:t>
+            </a:r>
+            <a:r>
+              <a:rPr lang="en-US" dirty="0" smtClean="0"/>
+              <a:t> % s)) % s; assume that </a:t>
+            </a:r>
+            <a:r>
+              <a:rPr lang="en-US" i="1" dirty="0" smtClean="0"/>
+              <a:t>b </a:t>
+            </a:r>
+            <a:r>
+              <a:rPr lang="en-US" dirty="0" smtClean="0"/>
+              <a:t>is even.</a:t>
+            </a:r>
+            <a:br>
+              <a:rPr lang="en-US" dirty="0" smtClean="0"/>
+            </a:br>
             <a:endParaRPr lang="en-US" dirty="0" smtClean="0"/>
           </a:p>
           <a:p>
             <a:pPr lvl="1"/>
             <a:endParaRPr lang="en-US" dirty="0"/>
+          </a:p>
+        </p:txBody>
+      </p:sp>
+      <p:sp>
+        <p:nvSpPr>
+          <p:cNvPr id="4" name="Multiply 3"/>
+          <p:cNvSpPr/>
+          <p:nvPr/>
+        </p:nvSpPr>
+        <p:spPr>
+          <a:xfrm>
+            <a:off x="3857620" y="4000504"/>
+            <a:ext cx="428628" cy="500066"/>
+          </a:xfrm>
+          <a:prstGeom prst="mathMultiply">
+            <a:avLst/>
+          </a:prstGeom>
+        </p:spPr>
+        <p:style>
+          <a:lnRef idx="2">
+            <a:schemeClr val="accent1">
+              <a:shade val="50000"/>
+            </a:schemeClr>
+          </a:lnRef>
+          <a:fillRef idx="1">
+            <a:schemeClr val="accent1"/>
+          </a:fillRef>
+          <a:effectRef idx="0">
+            <a:schemeClr val="accent1"/>
+          </a:effectRef>
+          <a:fontRef idx="minor">
+            <a:schemeClr val="lt1"/>
+          </a:fontRef>
+        </p:style>
+        <p:txBody>
+          <a:bodyPr rtlCol="0" anchor="ctr"/>
+          <a:lstStyle/>
+          <a:p>
+            <a:pPr algn="ctr"/>
+            <a:endParaRPr lang="en-US"/>
+          </a:p>
+        </p:txBody>
+      </p:sp>
+      <p:sp>
+        <p:nvSpPr>
+          <p:cNvPr id="5" name="Multiply 4"/>
+          <p:cNvSpPr/>
+          <p:nvPr/>
+        </p:nvSpPr>
+        <p:spPr>
+          <a:xfrm>
+            <a:off x="4286248" y="4643446"/>
+            <a:ext cx="428628" cy="500066"/>
+          </a:xfrm>
+          <a:prstGeom prst="mathMultiply">
+            <a:avLst/>
+          </a:prstGeom>
+        </p:spPr>
+        <p:style>
+          <a:lnRef idx="2">
+            <a:schemeClr val="accent1">
+              <a:shade val="50000"/>
+            </a:schemeClr>
+          </a:lnRef>
+          <a:fillRef idx="1">
+            <a:schemeClr val="accent1"/>
+          </a:fillRef>
+          <a:effectRef idx="0">
+            <a:schemeClr val="accent1"/>
+          </a:effectRef>
+          <a:fontRef idx="minor">
+            <a:schemeClr val="lt1"/>
+          </a:fontRef>
+        </p:style>
+        <p:txBody>
+          <a:bodyPr rtlCol="0" anchor="ctr"/>
+          <a:lstStyle/>
+          <a:p>
+            <a:pPr algn="ctr"/>
+            <a:endParaRPr lang="en-US"/>
           </a:p>
         </p:txBody>
       </p:sp>
@@ -2255,9 +2712,108 @@
   <p:timing>
     <p:tnLst>
       <p:par>
-        <p:cTn id="1" dur="indefinite" restart="never" nodeType="tmRoot"/>
+        <p:cTn id="1" dur="indefinite" restart="never" nodeType="tmRoot">
+          <p:childTnLst>
+            <p:seq concurrent="1" nextAc="seek">
+              <p:cTn id="2" dur="indefinite" nodeType="mainSeq">
+                <p:childTnLst>
+                  <p:par>
+                    <p:cTn id="3" fill="hold">
+                      <p:stCondLst>
+                        <p:cond delay="indefinite"/>
+                      </p:stCondLst>
+                      <p:childTnLst>
+                        <p:par>
+                          <p:cTn id="4" fill="hold">
+                            <p:stCondLst>
+                              <p:cond delay="0"/>
+                            </p:stCondLst>
+                            <p:childTnLst>
+                              <p:par>
+                                <p:cTn id="5" presetID="1" presetClass="entr" presetSubtype="0" fill="hold" grpId="0" nodeType="clickEffect">
+                                  <p:stCondLst>
+                                    <p:cond delay="0"/>
+                                  </p:stCondLst>
+                                  <p:childTnLst>
+                                    <p:set>
+                                      <p:cBhvr>
+                                        <p:cTn id="6" dur="1" fill="hold">
+                                          <p:stCondLst>
+                                            <p:cond delay="0"/>
+                                          </p:stCondLst>
+                                        </p:cTn>
+                                        <p:tgtEl>
+                                          <p:spTgt spid="5"/>
+                                        </p:tgtEl>
+                                        <p:attrNameLst>
+                                          <p:attrName>style.visibility</p:attrName>
+                                        </p:attrNameLst>
+                                      </p:cBhvr>
+                                      <p:to>
+                                        <p:strVal val="visible"/>
+                                      </p:to>
+                                    </p:set>
+                                  </p:childTnLst>
+                                </p:cTn>
+                              </p:par>
+                              <p:par>
+                                <p:cTn id="7" presetID="1" presetClass="entr" presetSubtype="0" fill="hold" grpId="0" nodeType="withEffect">
+                                  <p:stCondLst>
+                                    <p:cond delay="0"/>
+                                  </p:stCondLst>
+                                  <p:childTnLst>
+                                    <p:set>
+                                      <p:cBhvr>
+                                        <p:cTn id="8" dur="1" fill="hold">
+                                          <p:stCondLst>
+                                            <p:cond delay="0"/>
+                                          </p:stCondLst>
+                                        </p:cTn>
+                                        <p:tgtEl>
+                                          <p:spTgt spid="4"/>
+                                        </p:tgtEl>
+                                        <p:attrNameLst>
+                                          <p:attrName>style.visibility</p:attrName>
+                                        </p:attrNameLst>
+                                      </p:cBhvr>
+                                      <p:to>
+                                        <p:strVal val="visible"/>
+                                      </p:to>
+                                    </p:set>
+                                  </p:childTnLst>
+                                </p:cTn>
+                              </p:par>
+                            </p:childTnLst>
+                          </p:cTn>
+                        </p:par>
+                      </p:childTnLst>
+                    </p:cTn>
+                  </p:par>
+                </p:childTnLst>
+              </p:cTn>
+              <p:prevCondLst>
+                <p:cond evt="onPrev" delay="0">
+                  <p:tgtEl>
+                    <p:sldTgt/>
+                  </p:tgtEl>
+                </p:cond>
+              </p:prevCondLst>
+              <p:nextCondLst>
+                <p:cond evt="onNext" delay="0">
+                  <p:tgtEl>
+                    <p:sldTgt/>
+                  </p:tgtEl>
+                </p:cond>
+              </p:nextCondLst>
+            </p:seq>
+          </p:childTnLst>
+        </p:cTn>
       </p:par>
     </p:tnLst>
+    <p:bldLst>
+      <p:bldP spid="4" grpId="0" animBg="1"/>
+      <p:bldP spid="5" grpId="0" animBg="1"/>
+    </p:bldLst>
   </p:timing>
 </p:sld>
 </file>
@@ -2295,8 +2851,8 @@
           <a:lstStyle/>
           <a:p>
             <a:r>
-              <a:rPr lang="en-US" smtClean="0"/>
-              <a:t>Debugging : Stuck with “Segfaults”</a:t>
+              <a:rPr lang="en-US" dirty="0" smtClean="0"/>
+              <a:t>Optimizations – Tricky approaches</a:t>
             </a:r>
             <a:endParaRPr lang="en-US" dirty="0"/>
           </a:p>
@@ -2319,151 +2875,51 @@
           <a:p>
             <a:r>
               <a:rPr lang="en-US" dirty="0" smtClean="0"/>
-              <a:t>Generally array out of bound problems</a:t>
-            </a:r>
-          </a:p>
-          <a:p>
-            <a:r>
-              <a:rPr lang="en-US" dirty="0" smtClean="0"/>
-              <a:t>Trick</a:t>
-            </a:r>
-          </a:p>
-          <a:p>
-            <a:pPr lvl="1"/>
-            <a:r>
-              <a:rPr lang="en-US" dirty="0" smtClean="0"/>
-              <a:t>Convert </a:t>
-            </a:r>
+              <a:t>Bits twiddling</a:t>
+            </a:r>
+            <a:endParaRPr lang="en-US" dirty="0" smtClean="0"/>
+          </a:p>
+          <a:p>
+            <a:pPr lvl="1"/>
+            <a:r>
+              <a:rPr lang="en-US" dirty="0" smtClean="0"/>
+              <a:t>E.g. needed in implementation of DP-Bitmask.</a:t>
+            </a:r>
+            <a:endParaRPr lang="en-US" dirty="0" smtClean="0"/>
+          </a:p>
+          <a:p>
+            <a:pPr lvl="1"/>
+            <a:r>
+              <a:rPr lang="en-US" dirty="0" smtClean="0"/>
+              <a:t>Finding least significant bit ‘1’</a:t>
+            </a:r>
+          </a:p>
+          <a:p>
+            <a:pPr lvl="2"/>
             <a:r>
               <a:rPr lang="en-US" dirty="0" err="1" smtClean="0"/>
               <a:t>int</a:t>
             </a:r>
             <a:r>
               <a:rPr lang="en-US" dirty="0" smtClean="0"/>
-              <a:t> g[R][C] </a:t>
-            </a:r>
-            <a:r>
-              <a:rPr lang="en-US" dirty="0" smtClean="0">
-                <a:sym typeface="Wingdings" pitchFamily="2" charset="2"/>
-              </a:rPr>
-              <a:t> </a:t>
-            </a:r>
-            <a:r>
-              <a:rPr lang="en-US" dirty="0" smtClean="0"/>
-              <a:t>vector&lt;vector&lt;</a:t>
-            </a:r>
-            <a:r>
-              <a:rPr lang="en-US" dirty="0" err="1" smtClean="0"/>
-              <a:t>int</a:t>
-            </a:r>
-            <a:r>
-              <a:rPr lang="en-US" dirty="0" smtClean="0"/>
-              <a:t>&gt; &gt; g(R, vector&lt;</a:t>
-            </a:r>
-            <a:r>
-              <a:rPr lang="en-US" dirty="0" err="1" smtClean="0"/>
-              <a:t>int</a:t>
-            </a:r>
-            <a:r>
-              <a:rPr lang="en-US" dirty="0" smtClean="0"/>
-              <a:t>&gt;(C))</a:t>
-            </a:r>
-          </a:p>
-          <a:p>
-            <a:pPr lvl="1"/>
-            <a:r>
-              <a:rPr lang="en-US" dirty="0" smtClean="0"/>
-              <a:t>Now test with worst case TC</a:t>
+              <a:t> p = pos &amp; -pos; </a:t>
+            </a:r>
+            <a:r>
+              <a:rPr lang="en-US" dirty="0" smtClean="0"/>
+              <a:t>               // </a:t>
+            </a:r>
+            <a:r>
+              <a:rPr lang="en-US" dirty="0" smtClean="0"/>
+              <a:t>Least Significant One---this is </a:t>
+            </a:r>
+            <a:r>
+              <a:rPr lang="en-US" dirty="0" smtClean="0"/>
+              <a:t>fast</a:t>
             </a:r>
           </a:p>
           <a:p>
             <a:pPr lvl="2"/>
-            <a:r>
-              <a:rPr lang="en-US" dirty="0" smtClean="0"/>
-              <a:t>Prepare Largest input TC</a:t>
-            </a:r>
-          </a:p>
-          <a:p>
-            <a:pPr lvl="2"/>
-            <a:r>
-              <a:rPr lang="en-US" dirty="0" smtClean="0"/>
-              <a:t>Prepare TC with –</a:t>
-            </a:r>
-            <a:r>
-              <a:rPr lang="en-US" dirty="0" err="1" smtClean="0"/>
-              <a:t>tive</a:t>
-            </a:r>
-            <a:r>
-              <a:rPr lang="en-US" dirty="0" smtClean="0"/>
-              <a:t> values</a:t>
-            </a:r>
-          </a:p>
-          <a:p>
-            <a:pPr lvl="1"/>
-            <a:r>
-              <a:rPr lang="en-US" dirty="0" smtClean="0"/>
-              <a:t>Visual Studio will give you crash moment if out of bound is hit.</a:t>
-            </a:r>
-          </a:p>
-          <a:p>
-            <a:pPr lvl="1"/>
-            <a:r>
-              <a:rPr lang="en-US" dirty="0" smtClean="0"/>
-              <a:t>Replace it back before submission </a:t>
-            </a:r>
-          </a:p>
-          <a:p>
-            <a:pPr lvl="1"/>
-            <a:r>
-              <a:rPr lang="en-US" dirty="0" smtClean="0"/>
-              <a:t>Ensure “return 0” at the end of main()</a:t>
-            </a:r>
-            <a:endParaRPr lang="en-US" dirty="0"/>
-          </a:p>
-        </p:txBody>
-      </p:sp>
-      <p:sp>
-        <p:nvSpPr>
-          <p:cNvPr id="4" name="Rectangular Callout 3"/>
-          <p:cNvSpPr/>
-          <p:nvPr/>
-        </p:nvSpPr>
-        <p:spPr>
-          <a:xfrm>
-            <a:off x="7143768" y="357166"/>
-            <a:ext cx="1785918" cy="1143008"/>
-          </a:xfrm>
-          <a:prstGeom prst="wedgeRectCallout">
-            <a:avLst>
-              <a:gd name="adj1" fmla="val -162684"/>
-              <a:gd name="adj2" fmla="val 80860"/>
-            </a:avLst>
-          </a:prstGeom>
-        </p:spPr>
-        <p:style>
-          <a:lnRef idx="2">
-            <a:schemeClr val="accent1"/>
-          </a:lnRef>
-          <a:fillRef idx="1">
-            <a:schemeClr val="lt1"/>
-          </a:fillRef>
-          <a:effectRef idx="0">
-            <a:schemeClr val="accent1"/>
-          </a:effectRef>
-          <a:fontRef idx="minor">
-            <a:schemeClr val="dk1"/>
-          </a:fontRef>
-        </p:style>
-        <p:txBody>
-          <a:bodyPr rtlCol="0" anchor="ctr"/>
-          <a:lstStyle/>
-          <a:p>
-            <a:pPr algn="ctr"/>
-            <a:r>
-              <a:rPr lang="en-US" dirty="0" smtClean="0"/>
-              <a:t>Space is important</a:t>
-            </a:r>
-            <a:endParaRPr lang="en-US" dirty="0"/>
+            <a:endParaRPr lang="en-US" dirty="0" smtClean="0"/>
           </a:p>
         </p:txBody>
       </p:sp>
@@ -2516,7 +2972,7 @@
           <a:p>
             <a:r>
               <a:rPr lang="en-US" smtClean="0"/>
-              <a:t>Debugging – Trouble Shooting logical errors</a:t>
+              <a:t>Optimizations – Improve the algo</a:t>
             </a:r>
             <a:endParaRPr lang="en-US" dirty="0"/>
           </a:p>
@@ -2539,89 +2995,130 @@
           <a:p>
             <a:r>
               <a:rPr lang="en-US" dirty="0" smtClean="0"/>
-              <a:t>Presentation</a:t>
-            </a:r>
-          </a:p>
-          <a:p>
-            <a:pPr lvl="1"/>
-            <a:r>
-              <a:rPr lang="en-US" dirty="0" smtClean="0"/>
-              <a:t>Check the output carefully, format, extra debug logs before submit</a:t>
-            </a:r>
-          </a:p>
-          <a:p>
-            <a:r>
-              <a:rPr lang="en-US" dirty="0" smtClean="0"/>
-              <a:t>Ensuring Output</a:t>
-            </a:r>
-          </a:p>
-          <a:p>
-            <a:pPr lvl="1"/>
-            <a:r>
-              <a:rPr lang="en-US" dirty="0" smtClean="0"/>
-              <a:t>Check range of output, long </a:t>
+              <a:t>General</a:t>
+            </a:r>
+          </a:p>
+          <a:p>
+            <a:pPr lvl="1"/>
+            <a:r>
+              <a:rPr lang="en-US" dirty="0" smtClean="0"/>
+              <a:t>Don’t use </a:t>
             </a:r>
             <a:r>
               <a:rPr lang="en-US" dirty="0" err="1" smtClean="0"/>
-              <a:t>long</a:t>
-            </a:r>
-            <a:r>
-              <a:rPr lang="en-US" dirty="0" smtClean="0"/>
-              <a:t> requirement, write TC with largest range of I.P</a:t>
+              <a:t>malloc</a:t>
+            </a:r>
+            <a:r>
+              <a:rPr lang="en-US" dirty="0" smtClean="0"/>
+              <a:t>/new, they are never required.</a:t>
+            </a:r>
+          </a:p>
+          <a:p>
+            <a:pPr lvl="1"/>
+            <a:r>
+              <a:rPr lang="en-US" dirty="0"/>
+              <a:t>If you use C++, use </a:t>
+            </a:r>
+            <a:r>
+              <a:rPr lang="en-US" dirty="0" err="1"/>
+              <a:t>printf</a:t>
+            </a:r>
+            <a:r>
+              <a:rPr lang="en-US" dirty="0"/>
+              <a:t> and </a:t>
+            </a:r>
+            <a:r>
+              <a:rPr lang="en-US" dirty="0" err="1"/>
+              <a:t>scanf</a:t>
+            </a:r>
+            <a:r>
+              <a:rPr lang="en-US" dirty="0"/>
+              <a:t>. With </a:t>
+            </a:r>
+            <a:r>
+              <a:rPr lang="en-US" dirty="0" err="1"/>
+              <a:t>cin</a:t>
+            </a:r>
+            <a:r>
+              <a:rPr lang="en-US" dirty="0"/>
+              <a:t> and </a:t>
+            </a:r>
+            <a:r>
+              <a:rPr lang="en-US" dirty="0" err="1"/>
+              <a:t>cout</a:t>
+            </a:r>
+            <a:r>
+              <a:rPr lang="en-US" dirty="0"/>
+              <a:t> you will get </a:t>
+            </a:r>
+            <a:r>
+              <a:rPr lang="en-US" dirty="0" smtClean="0"/>
+              <a:t>TLE, sometimes.</a:t>
+            </a:r>
+          </a:p>
+          <a:p>
+            <a:r>
+              <a:rPr lang="en-US" dirty="0" smtClean="0"/>
+              <a:t>Prime Numbers</a:t>
+            </a:r>
+          </a:p>
+          <a:p>
+            <a:pPr lvl="1"/>
+            <a:r>
+              <a:rPr lang="en-US" dirty="0" smtClean="0"/>
+              <a:t>Use sieve.</a:t>
+            </a:r>
+          </a:p>
+          <a:p>
+            <a:r>
+              <a:rPr lang="en-US" dirty="0" smtClean="0"/>
+              <a:t>Graphs</a:t>
+            </a:r>
+          </a:p>
+          <a:p>
+            <a:pPr lvl="1"/>
+            <a:r>
+              <a:rPr lang="en-US" dirty="0" smtClean="0"/>
+              <a:t>Longest path : Negate the weights &amp; run SSSP/</a:t>
+            </a:r>
+            <a:r>
+              <a:rPr lang="en-US" dirty="0" err="1" smtClean="0"/>
+              <a:t>Dijkastra</a:t>
+            </a:r>
+            <a:r>
+              <a:rPr lang="en-US" dirty="0" smtClean="0"/>
+              <a:t>/SFPA</a:t>
+            </a:r>
+          </a:p>
+          <a:p>
+            <a:pPr lvl="1"/>
+            <a:r>
+              <a:rPr lang="en-US" dirty="0" smtClean="0"/>
+              <a:t>Improving performance of SSSP </a:t>
+            </a:r>
+            <a:r>
+              <a:rPr lang="en-US" dirty="0" smtClean="0">
+                <a:sym typeface="Wingdings" pitchFamily="2" charset="2"/>
+              </a:rPr>
+              <a:t> Use SFPA (else write heap based </a:t>
+            </a:r>
+            <a:r>
+              <a:rPr lang="en-US" dirty="0" err="1" smtClean="0">
+                <a:sym typeface="Wingdings" pitchFamily="2" charset="2"/>
+              </a:rPr>
+              <a:t>Dijkstra</a:t>
+            </a:r>
+            <a:r>
+              <a:rPr lang="en-US" dirty="0" smtClean="0">
+                <a:sym typeface="Wingdings" pitchFamily="2" charset="2"/>
+              </a:rPr>
+              <a:t>)</a:t>
             </a:r>
             <a:endParaRPr lang="en-US" dirty="0" smtClean="0"/>
           </a:p>
           <a:p>
             <a:pPr lvl="1"/>
-            <a:r>
-              <a:rPr lang="en-US" dirty="0" smtClean="0"/>
-              <a:t>Implement the </a:t>
-            </a:r>
-            <a:r>
-              <a:rPr lang="en-US" dirty="0" err="1" smtClean="0"/>
-              <a:t>algo</a:t>
-            </a:r>
-            <a:r>
-              <a:rPr lang="en-US" dirty="0" smtClean="0"/>
-              <a:t> first don’t waste time on data structure implementations, use STL instead. Stack &amp; Queue can be implemented later</a:t>
-            </a:r>
-          </a:p>
-          <a:p>
-            <a:pPr lvl="1"/>
-            <a:r>
-              <a:rPr lang="en-US" dirty="0" smtClean="0"/>
-              <a:t>If decimal number involved, check for need of double, don’t use == comparator directly (try </a:t>
-            </a:r>
-            <a:r>
-              <a:rPr lang="en-US" dirty="0" err="1" smtClean="0"/>
-              <a:t>ur</a:t>
-            </a:r>
-            <a:r>
-              <a:rPr lang="en-US" dirty="0" smtClean="0"/>
-              <a:t> own logic for comparison). </a:t>
-            </a:r>
-          </a:p>
-          <a:p>
-            <a:pPr lvl="1"/>
-            <a:r>
-              <a:rPr lang="en-US" dirty="0" smtClean="0"/>
-              <a:t>If questions asked for rounding of result, ensure correct rounding, also check double/float to </a:t>
-            </a:r>
-            <a:r>
-              <a:rPr lang="en-US" dirty="0" err="1" smtClean="0"/>
-              <a:t>int</a:t>
-            </a:r>
-            <a:r>
-              <a:rPr lang="en-US" dirty="0" smtClean="0"/>
-              <a:t> conversions, if there.</a:t>
-            </a:r>
-          </a:p>
-          <a:p>
-            <a:pPr lvl="1"/>
-            <a:r>
-              <a:rPr lang="en-US" dirty="0" smtClean="0"/>
-              <a:t>Take care of indexes (0/1 start points)</a:t>
-            </a:r>
+            <a:endParaRPr lang="en-US" dirty="0"/>
           </a:p>
         </p:txBody>
       </p:sp>
@@ -2674,7 +3171,7 @@
           <a:p>
             <a:r>
               <a:rPr lang="en-US" smtClean="0"/>
-              <a:t>Debugging – Trouble Shooting logical errors</a:t>
+              <a:t>Debugging : Stuck with “Segfaults”</a:t>
             </a:r>
             <a:endParaRPr lang="en-US" dirty="0"/>
           </a:p>
@@ -2697,88 +3194,151 @@
           <a:p>
             <a:r>
               <a:rPr lang="en-US" dirty="0" smtClean="0"/>
-              <a:t>Input reading</a:t>
-            </a:r>
-          </a:p>
-          <a:p>
-            <a:pPr lvl="1"/>
-            <a:r>
-              <a:rPr lang="en-US" dirty="0" smtClean="0"/>
-              <a:t>Check if Negative numbers (values) are allowed</a:t>
-            </a:r>
-          </a:p>
-          <a:p>
-            <a:pPr lvl="1"/>
-            <a:r>
-              <a:rPr lang="en-US" dirty="0" smtClean="0"/>
-              <a:t>Check if in a dimension based input (indexes), negative coordinates possible (Deal with them carefully)</a:t>
-            </a:r>
-          </a:p>
-          <a:p>
-            <a:pPr lvl="1"/>
-            <a:r>
-              <a:rPr lang="en-US" dirty="0" smtClean="0"/>
-              <a:t>Duplicate inputs can present in input, handle them, e.g. shortest edge out of 2</a:t>
-            </a:r>
-          </a:p>
-          <a:p>
-            <a:pPr lvl="1"/>
-            <a:r>
-              <a:rPr lang="en-US" dirty="0" smtClean="0"/>
-              <a:t>Generally, all the inputs are used in solution, please check how.</a:t>
-            </a:r>
-          </a:p>
-          <a:p>
-            <a:pPr lvl="1"/>
-            <a:r>
-              <a:rPr lang="en-US" dirty="0" smtClean="0"/>
-              <a:t>Read the question carefully for words: shortest, greatest, longest. If there are 2 parameters that needs to be taken care, please design </a:t>
+              <a:t>Generally array out of bound problems</a:t>
+            </a:r>
+          </a:p>
+          <a:p>
+            <a:r>
+              <a:rPr lang="en-US" dirty="0" smtClean="0"/>
+              <a:t>Trick</a:t>
+            </a:r>
+          </a:p>
+          <a:p>
+            <a:pPr lvl="1"/>
+            <a:r>
+              <a:rPr lang="en-US" dirty="0" smtClean="0"/>
+              <a:t>Convert </a:t>
             </a:r>
             <a:r>
               <a:rPr lang="en-US" dirty="0" err="1" smtClean="0"/>
-              <a:t>algo</a:t>
-            </a:r>
-            <a:r>
-              <a:rPr lang="en-US" dirty="0" smtClean="0"/>
-              <a:t> accordingly.</a:t>
-            </a:r>
-            <a:br>
-              <a:rPr lang="en-US" dirty="0" smtClean="0"/>
-            </a:br>
-            <a:r>
-              <a:rPr lang="en-US" dirty="0" smtClean="0"/>
-              <a:t>E.g. </a:t>
+              <a:t>int</a:t>
+            </a:r>
+            <a:r>
+              <a:rPr lang="en-US" dirty="0" smtClean="0"/>
+              <a:t> g[R][C] </a:t>
+            </a:r>
+            <a:r>
+              <a:rPr lang="en-US" dirty="0" smtClean="0">
+                <a:sym typeface="Wingdings" pitchFamily="2" charset="2"/>
+              </a:rPr>
+              <a:t> </a:t>
+            </a:r>
+            <a:r>
+              <a:rPr lang="en-US" dirty="0" smtClean="0"/>
+              <a:t>vector&lt;vector&lt;</a:t>
             </a:r>
             <a:r>
               <a:rPr lang="en-US" dirty="0" err="1" smtClean="0"/>
-              <a:t>UVa</a:t>
-            </a:r>
-            <a:r>
-              <a:rPr lang="en-US" dirty="0" smtClean="0"/>
-              <a:t> 104 You have to find the shortest sequence that yields a profit and not the one with the greatest profit!</a:t>
-            </a:r>
-          </a:p>
-          <a:p>
-            <a:pPr lvl="1"/>
-            <a:r>
-              <a:rPr lang="en-US" dirty="0" smtClean="0"/>
-              <a:t>Don’t rely on sequence of input given in UTs, solution logic if needed in sequence (ensure by sorting)</a:t>
-            </a:r>
-          </a:p>
-          <a:p>
-            <a:pPr lvl="1"/>
-            <a:r>
-              <a:rPr lang="en-US" dirty="0" smtClean="0"/>
-              <a:t>In graph based inputs, check for forests, empty/</a:t>
+              <a:t>int</a:t>
+            </a:r>
+            <a:r>
+              <a:rPr lang="en-US" dirty="0" smtClean="0"/>
+              <a:t>&gt; &gt; g(R, vector&lt;</a:t>
             </a:r>
             <a:r>
               <a:rPr lang="en-US" dirty="0" err="1" smtClean="0"/>
-              <a:t>singlenode</a:t>
-            </a:r>
-            <a:r>
-              <a:rPr lang="en-US" dirty="0" smtClean="0"/>
-              <a:t> trees, single nodes in forest</a:t>
-            </a:r>
+              <a:t>int</a:t>
+            </a:r>
+            <a:r>
+              <a:rPr lang="en-US" dirty="0" smtClean="0"/>
+              <a:t>&gt;(C))</a:t>
+            </a:r>
+          </a:p>
+          <a:p>
+            <a:pPr lvl="1"/>
+            <a:r>
+              <a:rPr lang="en-US" dirty="0" smtClean="0"/>
+              <a:t>Now test with worst case TC</a:t>
+            </a:r>
+          </a:p>
+          <a:p>
+            <a:pPr lvl="2"/>
+            <a:r>
+              <a:rPr lang="en-US" dirty="0" smtClean="0"/>
+              <a:t>Prepare Largest input TC</a:t>
+            </a:r>
+          </a:p>
+          <a:p>
+            <a:pPr lvl="2"/>
+            <a:r>
+              <a:rPr lang="en-US" dirty="0" smtClean="0"/>
+              <a:t>Prepare TC with –</a:t>
+            </a:r>
+            <a:r>
+              <a:rPr lang="en-US" dirty="0" err="1" smtClean="0"/>
+              <a:t>tive</a:t>
+            </a:r>
+            <a:r>
+              <a:rPr lang="en-US" dirty="0" smtClean="0"/>
+              <a:t> values</a:t>
+            </a:r>
+          </a:p>
+          <a:p>
+            <a:pPr lvl="1"/>
+            <a:r>
+              <a:rPr lang="en-US" dirty="0" smtClean="0"/>
+              <a:t>Visual Studio will give you crash moment if out of bound is hit.</a:t>
+            </a:r>
+          </a:p>
+          <a:p>
+            <a:pPr lvl="1"/>
+            <a:r>
+              <a:rPr lang="en-US" dirty="0" smtClean="0"/>
+              <a:t>Replace it back before submission </a:t>
+            </a:r>
+          </a:p>
+          <a:p>
+            <a:pPr lvl="1"/>
+            <a:r>
+              <a:rPr lang="en-US" dirty="0" smtClean="0"/>
+              <a:t>Ensure “return 0” at the end of main()</a:t>
+            </a:r>
+            <a:endParaRPr lang="en-US" dirty="0"/>
+          </a:p>
+        </p:txBody>
+      </p:sp>
+      <p:sp>
+        <p:nvSpPr>
+          <p:cNvPr id="4" name="Rectangular Callout 3"/>
+          <p:cNvSpPr/>
+          <p:nvPr/>
+        </p:nvSpPr>
+        <p:spPr>
+          <a:xfrm>
+            <a:off x="7143768" y="357166"/>
+            <a:ext cx="1785918" cy="1143008"/>
+          </a:xfrm>
+          <a:prstGeom prst="wedgeRectCallout">
+            <a:avLst>
+              <a:gd name="adj1" fmla="val -162684"/>
+              <a:gd name="adj2" fmla="val 80860"/>
+            </a:avLst>
+          </a:prstGeom>
+        </p:spPr>
+        <p:style>
+          <a:lnRef idx="2">
+            <a:schemeClr val="accent1"/>
+          </a:lnRef>
+          <a:fillRef idx="1">
+            <a:schemeClr val="lt1"/>
+          </a:fillRef>
+          <a:effectRef idx="0">
+            <a:schemeClr val="accent1"/>
+          </a:effectRef>
+          <a:fontRef idx="minor">
+            <a:schemeClr val="dk1"/>
+          </a:fontRef>
+        </p:style>
+        <p:txBody>
+          <a:bodyPr rtlCol="0" anchor="ctr"/>
+          <a:lstStyle/>
+          <a:p>
+            <a:pPr algn="ctr"/>
+            <a:r>
+              <a:rPr lang="en-US" dirty="0" smtClean="0"/>
+              <a:t>Space is important</a:t>
+            </a:r>
+            <a:endParaRPr lang="en-US" dirty="0"/>
           </a:p>
         </p:txBody>
       </p:sp>

--- a/Reading_Material/Algo_Tricks.pptx
+++ b/Reading_Material/Algo_Tricks.pptx
@@ -2048,7 +2048,6 @@
               <a:rPr lang="en-US" dirty="0" smtClean="0"/>
               <a:t>. </a:t>
             </a:r>
-            <a:endParaRPr lang="en-US" dirty="0" smtClean="0"/>
           </a:p>
           <a:p>
             <a:pPr lvl="1"/>
@@ -2184,11 +2183,7 @@
             <a:pPr lvl="1"/>
             <a:r>
               <a:rPr lang="en-US" dirty="0" smtClean="0"/>
-              <a:t>If </a:t>
-            </a:r>
-            <a:r>
-              <a:rPr lang="en-US" dirty="0" smtClean="0"/>
-              <a:t>solution involves backtracking &amp; memorization not possible, try pruning some paths</a:t>
+              <a:t>If solution involves backtracking &amp; memorization not possible, try pruning some paths</a:t>
             </a:r>
           </a:p>
           <a:p>
@@ -2877,7 +2872,6 @@
               <a:rPr lang="en-US" dirty="0" smtClean="0"/>
               <a:t>Bits twiddling</a:t>
             </a:r>
-            <a:endParaRPr lang="en-US" dirty="0" smtClean="0"/>
           </a:p>
           <a:p>
             <a:pPr lvl="1"/>
@@ -2885,7 +2879,6 @@
               <a:rPr lang="en-US" dirty="0" smtClean="0"/>
               <a:t>E.g. needed in implementation of DP-Bitmask.</a:t>
             </a:r>
-            <a:endParaRPr lang="en-US" dirty="0" smtClean="0"/>
           </a:p>
           <a:p>
             <a:pPr lvl="1"/>
@@ -2902,19 +2895,7 @@
             </a:r>
             <a:r>
               <a:rPr lang="en-US" dirty="0" smtClean="0"/>
-              <a:t> p = pos &amp; -pos; </a:t>
-            </a:r>
-            <a:r>
-              <a:rPr lang="en-US" dirty="0" smtClean="0"/>
-              <a:t>               // </a:t>
-            </a:r>
-            <a:r>
-              <a:rPr lang="en-US" dirty="0" smtClean="0"/>
-              <a:t>Least Significant One---this is </a:t>
-            </a:r>
-            <a:r>
-              <a:rPr lang="en-US" dirty="0" smtClean="0"/>
-              <a:t>fast</a:t>
+              <a:t> p = pos &amp; -pos;                // Least Significant One---this is fast</a:t>
             </a:r>
           </a:p>
           <a:p>
@@ -3224,8 +3205,66 @@
               <a:t> </a:t>
             </a:r>
             <a:r>
-              <a:rPr lang="en-US" dirty="0" smtClean="0"/>
+              <a:rPr lang="en-US" dirty="0" smtClean="0">
+                <a:sym typeface="Wingdings" pitchFamily="2" charset="2"/>
+              </a:rPr>
+              <a:t/>
+            </a:r>
+            <a:br>
+              <a:rPr lang="en-US" dirty="0" smtClean="0">
+                <a:sym typeface="Wingdings" pitchFamily="2" charset="2"/>
+              </a:rPr>
+            </a:br>
+            <a:r>
+              <a:rPr lang="en-US" sz="1600" dirty="0" smtClean="0"/>
               <a:t>vector&lt;vector&lt;</a:t>
+            </a:r>
+            <a:r>
+              <a:rPr lang="en-US" sz="1600" dirty="0" err="1" smtClean="0"/>
+              <a:t>int</a:t>
+            </a:r>
+            <a:r>
+              <a:rPr lang="en-US" sz="1600" dirty="0" smtClean="0"/>
+              <a:t>&gt; &gt; g(R, </a:t>
+            </a:r>
+            <a:r>
+              <a:rPr lang="en-US" sz="1600" dirty="0" smtClean="0">
+                <a:solidFill>
+                  <a:srgbClr val="00B050"/>
+                </a:solidFill>
+              </a:rPr>
+              <a:t>vector&lt;</a:t>
+            </a:r>
+            <a:r>
+              <a:rPr lang="en-US" sz="1600" dirty="0" err="1" smtClean="0">
+                <a:solidFill>
+                  <a:srgbClr val="00B050"/>
+                </a:solidFill>
+              </a:rPr>
+              <a:t>int</a:t>
+            </a:r>
+            <a:r>
+              <a:rPr lang="en-US" sz="1600" dirty="0" smtClean="0">
+                <a:solidFill>
+                  <a:srgbClr val="00B050"/>
+                </a:solidFill>
+              </a:rPr>
+              <a:t>&gt;(C)</a:t>
+            </a:r>
+            <a:r>
+              <a:rPr lang="en-US" sz="1600" dirty="0" smtClean="0"/>
+              <a:t>)</a:t>
+            </a:r>
+          </a:p>
+          <a:p>
+            <a:pPr lvl="1"/>
+            <a:endParaRPr lang="en-US" dirty="0" smtClean="0"/>
+          </a:p>
+          <a:p>
+            <a:pPr lvl="1"/>
+            <a:r>
+              <a:rPr lang="en-US" dirty="0" smtClean="0"/>
+              <a:t>3 Dimension : Convert </a:t>
             </a:r>
             <a:r>
               <a:rPr lang="en-US" dirty="0" err="1" smtClean="0"/>
@@ -3233,22 +3272,160 @@
             </a:r>
             <a:r>
               <a:rPr lang="en-US" dirty="0" smtClean="0"/>
-              <a:t>&gt; &gt; g(R, vector&lt;</a:t>
+              <a:t> </a:t>
             </a:r>
             <a:r>
               <a:rPr lang="en-US" dirty="0" err="1" smtClean="0"/>
+              <a:t>dp</a:t>
+            </a:r>
+            <a:r>
+              <a:rPr lang="en-US" dirty="0" smtClean="0"/>
+              <a:t>[MAXA]</a:t>
+            </a:r>
+            <a:r>
+              <a:rPr lang="en-US" dirty="0" smtClean="0"/>
+              <a:t> [MAXA</a:t>
+            </a:r>
+            <a:r>
+              <a:rPr lang="en-US" dirty="0" smtClean="0"/>
+              <a:t>]</a:t>
+            </a:r>
+            <a:r>
+              <a:rPr lang="en-US" dirty="0" smtClean="0"/>
+              <a:t> [</a:t>
+            </a:r>
+            <a:r>
+              <a:rPr lang="en-US" dirty="0" smtClean="0"/>
+              <a:t>MAXN] </a:t>
+            </a:r>
+            <a:r>
+              <a:rPr lang="en-US" dirty="0" smtClean="0">
+                <a:sym typeface="Wingdings" pitchFamily="2" charset="2"/>
+              </a:rPr>
+              <a:t> </a:t>
+            </a:r>
+            <a:r>
+              <a:rPr lang="en-US" dirty="0" smtClean="0">
+                <a:sym typeface="Wingdings" pitchFamily="2" charset="2"/>
+              </a:rPr>
+              <a:t/>
+            </a:r>
+            <a:br>
+              <a:rPr lang="en-US" dirty="0" smtClean="0">
+                <a:sym typeface="Wingdings" pitchFamily="2" charset="2"/>
+              </a:rPr>
+            </a:br>
+            <a:r>
+              <a:rPr lang="en-US" sz="1600" dirty="0" smtClean="0"/>
+              <a:t>vector&lt;vector&lt; vector&lt;</a:t>
+            </a:r>
+            <a:r>
+              <a:rPr lang="en-US" sz="1600" dirty="0" err="1" smtClean="0"/>
               <a:t>int</a:t>
             </a:r>
             <a:r>
-              <a:rPr lang="en-US" dirty="0" smtClean="0"/>
-              <a:t>&gt;(C))</a:t>
-            </a:r>
-          </a:p>
-          <a:p>
-            <a:pPr lvl="1"/>
-            <a:r>
-              <a:rPr lang="en-US" dirty="0" smtClean="0"/>
-              <a:t>Now test with worst case TC</a:t>
+              <a:rPr lang="en-US" sz="1600" dirty="0" smtClean="0"/>
+              <a:t>&gt; &gt; &gt; </a:t>
+            </a:r>
+            <a:r>
+              <a:rPr lang="en-US" sz="1600" dirty="0" err="1" smtClean="0"/>
+              <a:t>dp</a:t>
+            </a:r>
+            <a:r>
+              <a:rPr lang="en-US" sz="1600" dirty="0" smtClean="0"/>
+              <a:t>(MAXA+1, </a:t>
+            </a:r>
+            <a:r>
+              <a:rPr lang="en-US" sz="1600" dirty="0" smtClean="0">
+                <a:solidFill>
+                  <a:srgbClr val="0000FF"/>
+                </a:solidFill>
+              </a:rPr>
+              <a:t>vector&lt; </a:t>
+            </a:r>
+            <a:r>
+              <a:rPr lang="en-US" sz="1600" dirty="0" smtClean="0">
+                <a:solidFill>
+                  <a:srgbClr val="FF0000"/>
+                </a:solidFill>
+              </a:rPr>
+              <a:t>vector&lt;</a:t>
+            </a:r>
+            <a:r>
+              <a:rPr lang="en-US" sz="1600" dirty="0" err="1" smtClean="0">
+                <a:solidFill>
+                  <a:srgbClr val="FF0000"/>
+                </a:solidFill>
+              </a:rPr>
+              <a:t>int</a:t>
+            </a:r>
+            <a:r>
+              <a:rPr lang="en-US" sz="1600" dirty="0" smtClean="0">
+                <a:solidFill>
+                  <a:srgbClr val="FF0000"/>
+                </a:solidFill>
+              </a:rPr>
+              <a:t>&gt; </a:t>
+            </a:r>
+            <a:r>
+              <a:rPr lang="en-US" sz="1600" dirty="0" smtClean="0">
+                <a:solidFill>
+                  <a:srgbClr val="0000FF"/>
+                </a:solidFill>
+              </a:rPr>
+              <a:t>&gt;(MAXA+1, </a:t>
+            </a:r>
+            <a:r>
+              <a:rPr lang="en-US" sz="1600" dirty="0" smtClean="0">
+                <a:solidFill>
+                  <a:srgbClr val="008A3E"/>
+                </a:solidFill>
+              </a:rPr>
+              <a:t>vector&lt;</a:t>
+            </a:r>
+            <a:r>
+              <a:rPr lang="en-US" sz="1600" dirty="0" err="1" smtClean="0">
+                <a:solidFill>
+                  <a:srgbClr val="008A3E"/>
+                </a:solidFill>
+              </a:rPr>
+              <a:t>int</a:t>
+            </a:r>
+            <a:r>
+              <a:rPr lang="en-US" sz="1600" dirty="0" smtClean="0">
+                <a:solidFill>
+                  <a:srgbClr val="008A3E"/>
+                </a:solidFill>
+              </a:rPr>
+              <a:t>&gt;(MAXN)</a:t>
+            </a:r>
+            <a:r>
+              <a:rPr lang="en-US" sz="1600" dirty="0" smtClean="0">
+                <a:solidFill>
+                  <a:srgbClr val="0000FF"/>
+                </a:solidFill>
+              </a:rPr>
+              <a:t>));</a:t>
+            </a:r>
+            <a:endParaRPr lang="en-US" dirty="0" smtClean="0">
+              <a:solidFill>
+                <a:srgbClr val="0000FF"/>
+              </a:solidFill>
+            </a:endParaRPr>
+          </a:p>
+          <a:p>
+            <a:pPr lvl="1"/>
+            <a:endParaRPr lang="en-US" dirty="0" smtClean="0"/>
+          </a:p>
+          <a:p>
+            <a:pPr lvl="1"/>
+            <a:r>
+              <a:rPr lang="en-US" dirty="0" smtClean="0"/>
+              <a:t>Now </a:t>
+            </a:r>
+            <a:r>
+              <a:rPr lang="en-US" dirty="0" smtClean="0"/>
+              <a:t>test with worst case TC</a:t>
             </a:r>
           </a:p>
           <a:p>
@@ -3305,13 +3482,13 @@
         </p:nvSpPr>
         <p:spPr>
           <a:xfrm>
-            <a:off x="7143768" y="357166"/>
-            <a:ext cx="1785918" cy="1143008"/>
+            <a:off x="3500430" y="1285860"/>
+            <a:ext cx="1214414" cy="642942"/>
           </a:xfrm>
           <a:prstGeom prst="wedgeRectCallout">
             <a:avLst>
-              <a:gd name="adj1" fmla="val -162684"/>
-              <a:gd name="adj2" fmla="val 80860"/>
+              <a:gd name="adj1" fmla="val -134392"/>
+              <a:gd name="adj2" fmla="val 77508"/>
             </a:avLst>
           </a:prstGeom>
         </p:spPr>
